--- a/презентация к проектику.pptx
+++ b/презентация к проектику.pptx
@@ -26,8 +26,13 @@
       <p:boldItalic r:id="rId14"/>
     </p:embeddedFont>
     <p:embeddedFont>
-      <p:font typeface="VCROSDMonoRUSbyD" panose="020B0604020202020204" charset="0"/>
+      <p:font typeface="Calibri Light" panose="020F0302020204030204" pitchFamily="34" charset="0"/>
       <p:regular r:id="rId15"/>
+      <p:italic r:id="rId16"/>
+    </p:embeddedFont>
+    <p:embeddedFont>
+      <p:font typeface="VCROSDMonoRUSbyD" panose="02000609000000000000" pitchFamily="49" charset="0"/>
+      <p:regular r:id="rId17"/>
     </p:embeddedFont>
   </p:embeddedFontLst>
   <p:defaultTextStyle>
@@ -292,7 +297,7 @@
           <a:p>
             <a:fld id="{629BD411-3242-4D0D-A1E2-3C9BFF193E68}" type="datetimeFigureOut">
               <a:rPr lang="ru-RU" smtClean="0"/>
-              <a:t>20.01.2023</a:t>
+              <a:t>21.01.2023</a:t>
             </a:fld>
             <a:endParaRPr lang="ru-RU"/>
           </a:p>
@@ -490,7 +495,7 @@
           <a:p>
             <a:fld id="{629BD411-3242-4D0D-A1E2-3C9BFF193E68}" type="datetimeFigureOut">
               <a:rPr lang="ru-RU" smtClean="0"/>
-              <a:t>20.01.2023</a:t>
+              <a:t>21.01.2023</a:t>
             </a:fld>
             <a:endParaRPr lang="ru-RU"/>
           </a:p>
@@ -698,7 +703,7 @@
           <a:p>
             <a:fld id="{629BD411-3242-4D0D-A1E2-3C9BFF193E68}" type="datetimeFigureOut">
               <a:rPr lang="ru-RU" smtClean="0"/>
-              <a:t>20.01.2023</a:t>
+              <a:t>21.01.2023</a:t>
             </a:fld>
             <a:endParaRPr lang="ru-RU"/>
           </a:p>
@@ -896,7 +901,7 @@
           <a:p>
             <a:fld id="{629BD411-3242-4D0D-A1E2-3C9BFF193E68}" type="datetimeFigureOut">
               <a:rPr lang="ru-RU" smtClean="0"/>
-              <a:t>20.01.2023</a:t>
+              <a:t>21.01.2023</a:t>
             </a:fld>
             <a:endParaRPr lang="ru-RU"/>
           </a:p>
@@ -1171,7 +1176,7 @@
           <a:p>
             <a:fld id="{629BD411-3242-4D0D-A1E2-3C9BFF193E68}" type="datetimeFigureOut">
               <a:rPr lang="ru-RU" smtClean="0"/>
-              <a:t>20.01.2023</a:t>
+              <a:t>21.01.2023</a:t>
             </a:fld>
             <a:endParaRPr lang="ru-RU"/>
           </a:p>
@@ -1436,7 +1441,7 @@
           <a:p>
             <a:fld id="{629BD411-3242-4D0D-A1E2-3C9BFF193E68}" type="datetimeFigureOut">
               <a:rPr lang="ru-RU" smtClean="0"/>
-              <a:t>20.01.2023</a:t>
+              <a:t>21.01.2023</a:t>
             </a:fld>
             <a:endParaRPr lang="ru-RU"/>
           </a:p>
@@ -1848,7 +1853,7 @@
           <a:p>
             <a:fld id="{629BD411-3242-4D0D-A1E2-3C9BFF193E68}" type="datetimeFigureOut">
               <a:rPr lang="ru-RU" smtClean="0"/>
-              <a:t>20.01.2023</a:t>
+              <a:t>21.01.2023</a:t>
             </a:fld>
             <a:endParaRPr lang="ru-RU"/>
           </a:p>
@@ -1989,7 +1994,7 @@
           <a:p>
             <a:fld id="{629BD411-3242-4D0D-A1E2-3C9BFF193E68}" type="datetimeFigureOut">
               <a:rPr lang="ru-RU" smtClean="0"/>
-              <a:t>20.01.2023</a:t>
+              <a:t>21.01.2023</a:t>
             </a:fld>
             <a:endParaRPr lang="ru-RU"/>
           </a:p>
@@ -2102,7 +2107,7 @@
           <a:p>
             <a:fld id="{629BD411-3242-4D0D-A1E2-3C9BFF193E68}" type="datetimeFigureOut">
               <a:rPr lang="ru-RU" smtClean="0"/>
-              <a:t>20.01.2023</a:t>
+              <a:t>21.01.2023</a:t>
             </a:fld>
             <a:endParaRPr lang="ru-RU"/>
           </a:p>
@@ -2413,7 +2418,7 @@
           <a:p>
             <a:fld id="{629BD411-3242-4D0D-A1E2-3C9BFF193E68}" type="datetimeFigureOut">
               <a:rPr lang="ru-RU" smtClean="0"/>
-              <a:t>20.01.2023</a:t>
+              <a:t>21.01.2023</a:t>
             </a:fld>
             <a:endParaRPr lang="ru-RU"/>
           </a:p>
@@ -2701,7 +2706,7 @@
           <a:p>
             <a:fld id="{629BD411-3242-4D0D-A1E2-3C9BFF193E68}" type="datetimeFigureOut">
               <a:rPr lang="ru-RU" smtClean="0"/>
-              <a:t>20.01.2023</a:t>
+              <a:t>21.01.2023</a:t>
             </a:fld>
             <a:endParaRPr lang="ru-RU"/>
           </a:p>
@@ -2942,7 +2947,7 @@
           <a:p>
             <a:fld id="{629BD411-3242-4D0D-A1E2-3C9BFF193E68}" type="datetimeFigureOut">
               <a:rPr lang="ru-RU" smtClean="0"/>
-              <a:t>20.01.2023</a:t>
+              <a:t>21.01.2023</a:t>
             </a:fld>
             <a:endParaRPr lang="ru-RU"/>
           </a:p>
@@ -4981,7 +4986,7 @@
           <a:lstStyle/>
           <a:p>
             <a:r>
-              <a:rPr lang="ru-RU">
+              <a:rPr lang="ru-RU" dirty="0">
                 <a:solidFill>
                   <a:srgbClr val="FFFFFF"/>
                 </a:solidFill>
@@ -4989,7 +4994,7 @@
                 <a:ea typeface="VCROSDMonoRUSbyD"/>
                 <a:cs typeface="Calibri Light"/>
               </a:rPr>
-              <a:t>Враги</a:t>
+              <a:t>Враг</a:t>
             </a:r>
           </a:p>
         </p:txBody>
@@ -5024,7 +5029,7 @@
           <a:p>
             <a:pPr algn="l"/>
             <a:r>
-              <a:rPr lang="ru-RU" sz="2800">
+              <a:rPr lang="ru-RU" sz="2800" dirty="0">
                 <a:solidFill>
                   <a:schemeClr val="bg1"/>
                 </a:solidFill>
@@ -5032,12 +5037,34 @@
                 <a:ea typeface="VCROSDMonoRUSbyD"/>
                 <a:cs typeface="arial"/>
               </a:rPr>
-              <a:t>Врагов 4 типа, они имеют дополнительную атаку (разгон на месте + атака)</a:t>
+              <a:t>Враг представляет собой </a:t>
+            </a:r>
+            <a:r>
+              <a:rPr lang="ru-RU" sz="2800" dirty="0" err="1">
+                <a:solidFill>
+                  <a:schemeClr val="bg1"/>
+                </a:solidFill>
+                <a:latin typeface="VCROSDMonoRUSbyD"/>
+                <a:ea typeface="VCROSDMonoRUSbyD"/>
+                <a:cs typeface="arial"/>
+              </a:rPr>
+              <a:t>слайма</a:t>
+            </a:r>
+            <a:r>
+              <a:rPr lang="ru-RU" sz="2800" dirty="0">
+                <a:solidFill>
+                  <a:schemeClr val="bg1"/>
+                </a:solidFill>
+                <a:latin typeface="VCROSDMonoRUSbyD"/>
+                <a:ea typeface="VCROSDMonoRUSbyD"/>
+                <a:cs typeface="arial"/>
+              </a:rPr>
+              <a:t>, он имеет дополнительную атаку (разгон на месте + атака)</a:t>
             </a:r>
           </a:p>
           <a:p>
             <a:pPr algn="l"/>
-            <a:endParaRPr lang="ru-RU" sz="2800">
+            <a:endParaRPr lang="ru-RU" sz="2800" dirty="0">
               <a:solidFill>
                 <a:schemeClr val="bg1"/>
               </a:solidFill>
@@ -5049,7 +5076,7 @@
           <a:p>
             <a:pPr algn="l"/>
             <a:r>
-              <a:rPr lang="ru-RU" sz="3200">
+              <a:rPr lang="ru-RU" sz="3200" dirty="0">
                 <a:solidFill>
                   <a:schemeClr val="bg1"/>
                 </a:solidFill>
@@ -5065,7 +5092,7 @@
               <a:buChar char="•"/>
             </a:pPr>
             <a:r>
-              <a:rPr lang="ru-RU" sz="2800">
+              <a:rPr lang="ru-RU" sz="2800" dirty="0">
                 <a:solidFill>
                   <a:schemeClr val="bg1"/>
                 </a:solidFill>
@@ -5081,7 +5108,7 @@
               <a:buChar char="•"/>
             </a:pPr>
             <a:r>
-              <a:rPr lang="ru-RU" sz="2800">
+              <a:rPr lang="ru-RU" sz="2800" dirty="0">
                 <a:solidFill>
                   <a:schemeClr val="bg1"/>
                 </a:solidFill>
@@ -5096,7 +5123,7 @@
             <a:pPr marL="457200" indent="-457200" algn="l">
               <a:buChar char="•"/>
             </a:pPr>
-            <a:endParaRPr lang="ru-RU" sz="1600">
+            <a:endParaRPr lang="ru-RU" sz="1600" dirty="0">
               <a:solidFill>
                 <a:schemeClr val="bg1"/>
               </a:solidFill>
@@ -5107,7 +5134,7 @@
           </a:p>
           <a:p>
             <a:pPr algn="l"/>
-            <a:endParaRPr lang="ru-RU" sz="3200">
+            <a:endParaRPr lang="ru-RU" sz="3200" dirty="0">
               <a:solidFill>
                 <a:schemeClr val="bg1"/>
               </a:solidFill>
@@ -5118,7 +5145,7 @@
           </a:p>
           <a:p>
             <a:pPr algn="l"/>
-            <a:endParaRPr lang="ru-RU" sz="3200">
+            <a:endParaRPr lang="ru-RU" sz="3200" dirty="0">
               <a:solidFill>
                 <a:schemeClr val="bg1"/>
               </a:solidFill>
@@ -5300,7 +5327,7 @@
         </p:blipFill>
         <p:spPr>
           <a:xfrm>
-            <a:off x="5044389" y="3335038"/>
+            <a:off x="5078679" y="3586580"/>
             <a:ext cx="795466" cy="805764"/>
           </a:xfrm>
           <a:prstGeom prst="rect">
@@ -7143,7 +7170,7 @@
         <p:spPr>
           <a:xfrm>
             <a:off x="813486" y="1874107"/>
-            <a:ext cx="10379160" cy="646331"/>
+            <a:ext cx="10379160" cy="1200329"/>
           </a:xfrm>
           <a:prstGeom prst="rect">
             <a:avLst/>
@@ -7173,6 +7200,30 @@
           </a:p>
           <a:p>
             <a:r>
+              <a:rPr lang="ru-RU" dirty="0">
+                <a:solidFill>
+                  <a:schemeClr val="bg1"/>
+                </a:solidFill>
+                <a:latin typeface="VCROSDMonoRUSbyD"/>
+                <a:ea typeface="VCROSDMonoRUSbyD"/>
+                <a:cs typeface="Calibri"/>
+              </a:rPr>
+              <a:t>Добавление разных врагов</a:t>
+            </a:r>
+          </a:p>
+          <a:p>
+            <a:r>
+              <a:rPr lang="ru-RU" dirty="0">
+                <a:solidFill>
+                  <a:schemeClr val="bg1"/>
+                </a:solidFill>
+                <a:latin typeface="VCROSDMonoRUSbyD"/>
+                <a:ea typeface="VCROSDMonoRUSbyD"/>
+                <a:cs typeface="Calibri"/>
+              </a:rPr>
+              <a:t>Добавление разных </a:t>
+            </a:r>
+            <a:r>
               <a:rPr lang="ru-RU" dirty="0" err="1">
                 <a:solidFill>
                   <a:schemeClr val="bg1"/>
@@ -7181,7 +7232,7 @@
                 <a:ea typeface="VCROSDMonoRUSbyD"/>
                 <a:cs typeface="Calibri"/>
               </a:rPr>
-              <a:t>Хз</a:t>
+              <a:t>играбельных</a:t>
             </a:r>
             <a:r>
               <a:rPr lang="ru-RU" dirty="0">
@@ -7192,19 +7243,10 @@
                 <a:ea typeface="VCROSDMonoRUSbyD"/>
                 <a:cs typeface="Calibri"/>
               </a:rPr>
-              <a:t> </a:t>
-            </a:r>
-            <a:r>
-              <a:rPr lang="ru-RU" dirty="0" err="1">
-                <a:solidFill>
-                  <a:schemeClr val="bg1"/>
-                </a:solidFill>
-                <a:latin typeface="VCROSDMonoRUSbyD"/>
-                <a:ea typeface="VCROSDMonoRUSbyD"/>
-                <a:cs typeface="Calibri"/>
-              </a:rPr>
-              <a:t>жень</a:t>
-            </a:r>
+              <a:t> классов</a:t>
+            </a:r>
+          </a:p>
+          <a:p>
             <a:r>
               <a:rPr lang="ru-RU" dirty="0">
                 <a:solidFill>
@@ -7214,7 +7256,7 @@
                 <a:ea typeface="VCROSDMonoRUSbyD"/>
                 <a:cs typeface="Calibri"/>
               </a:rPr>
-              <a:t>(</a:t>
+              <a:t>Добавление конечности игры</a:t>
             </a:r>
           </a:p>
         </p:txBody>
